--- a/Dev’tacerto ‘Projeto iJanta’ {.pptx
+++ b/Dev’tacerto ‘Projeto iJanta’ {.pptx
@@ -27,7 +27,7 @@
   <p:notesSz cx="6858000" cy="9144000"/>
   <p:embeddedFontLst>
     <p:embeddedFont>
-      <p:font typeface="Fira Code" panose="020B0809050000020004" pitchFamily="49" charset="0"/>
+      <p:font typeface="Fira Code" panose="020B0809050000020004"/>
       <p:regular r:id="rId17"/>
       <p:bold r:id="rId18"/>
     </p:embeddedFont>
@@ -19982,7 +19982,7 @@
         </p:nvSpPr>
         <p:spPr>
           <a:xfrm>
-            <a:off x="1919625" y="2685752"/>
+            <a:off x="1919625" y="2690501"/>
             <a:ext cx="6437074" cy="460800"/>
           </a:xfrm>
           <a:prstGeom prst="rect">
@@ -20036,7 +20036,7 @@
                 </a:solidFill>
                 <a:latin typeface="-apple-system"/>
               </a:rPr>
-              <a:t>     * Felipe Abener</a:t>
+              <a:t>     * Felipe Jaber</a:t>
             </a:r>
           </a:p>
           <a:p>
